--- a/5_Final_Outputs/Final_Output.pptx
+++ b/5_Final_Outputs/Final_Output.pptx
@@ -3231,7 +3231,7 @@
           <a:lstStyle/>
           <a:p>
             <a:r>
-              <a:t>*   Today, data is being generated at a rapid pace. Every time a click to purchase anything generates information/data, companies use it to make smart decisions, understand customer behavior, and stay competitive. This is called Data Mining.</a:t>
+              <a:t>*   TODAY, DATA is being generated at a rapid pace. Every time a click to purchase anything generates information. Data Mining is the process companies use to extract insights from this data to make smart decisions, understand customer behavior, and stay competitive.</a:t>
             </a:r>
           </a:p>
         </p:txBody>
@@ -3343,7 +3343,7 @@
           <a:lstStyle/>
           <a:p>
             <a:r>
-              <a:t>COMMON APPLICATIONS OF DATA MINING</a:t>
+              <a:t>COMMON APPLICATIONS OF DATA MINING-</a:t>
             </a:r>
           </a:p>
         </p:txBody>
@@ -3364,17 +3364,17 @@
           <a:lstStyle/>
           <a:p>
             <a:r>
-              <a:t>1.  Customer Segmentation.</a:t>
-            </a:r>
-          </a:p>
-          <a:p>
-            <a:r>
-              <a:t>2.  Market Basket Analysis.</a:t>
-            </a:r>
-          </a:p>
-          <a:p>
-            <a:r>
-              <a:t>3.  Predictive Modeling.</a:t>
+              <a:t>① Customer Segmentation.</a:t>
+            </a:r>
+          </a:p>
+          <a:p>
+            <a:r>
+              <a:t>② Market Basket Analysis.</a:t>
+            </a:r>
+          </a:p>
+          <a:p>
+            <a:r>
+              <a:t>③ Predictive Modeling.</a:t>
             </a:r>
           </a:p>
         </p:txBody>
@@ -3413,7 +3413,7 @@
           <a:lstStyle/>
           <a:p>
             <a:r>
-              <a:t>It is widely used across industries like finance, healthcare, retail, and telecommunication to make informed decisions. The core components of this field are ML, Statistics, database systems, data warehouses, information retrieval, high-performance computing, its applications, algorithms, visualization, and pattern recognition.</a:t>
+              <a:t>It is widely used across industries like finance, healthcare, retail, and telecommunication to make informed decisions. The core components of this field are ML, Statistics, database systems, data warehouse, information retrieval, high-performance computing, its applications, algorithms, visualization, and pattern recognition.</a:t>
             </a:r>
           </a:p>
         </p:txBody>
@@ -3469,7 +3469,7 @@
           <a:lstStyle/>
           <a:p>
             <a:r>
-              <a:t>PROCESS OF DATA MINING</a:t>
+              <a:t>PROCESS OF DATA MINING-</a:t>
             </a:r>
           </a:p>
         </p:txBody>
@@ -3490,32 +3490,32 @@
           <a:lstStyle/>
           <a:p>
             <a:r>
-              <a:t>1.  Data Cleaning And Integration - (Extracts relevant data)</a:t>
-            </a:r>
-          </a:p>
-          <a:p>
-            <a:r>
-              <a:t>2.  Data Pre-Processing - (Removes noisy data and missing values)</a:t>
-            </a:r>
-          </a:p>
-          <a:p>
-            <a:r>
-              <a:t>3.  Pattern Recognition &amp; ML - (Classification, Clustering, Regression)</a:t>
-            </a:r>
-          </a:p>
-          <a:p>
-            <a:r>
-              <a:t>4.  Statistical Analysis - (Mean, Mode, Median)</a:t>
-            </a:r>
-          </a:p>
-          <a:p>
-            <a:r>
-              <a:t>5.  Evaluation and Interpretation.</a:t>
-            </a:r>
-          </a:p>
-          <a:p>
-            <a:r>
-              <a:t>6.  Data Presentation &amp; Visualization.</a:t>
+              <a:t>① Data Cleaning And Integration - (Extracts relevant data)</a:t>
+            </a:r>
+          </a:p>
+          <a:p>
+            <a:r>
+              <a:t>② Data Pre-Processing - (Removes noisy data and missing values)</a:t>
+            </a:r>
+          </a:p>
+          <a:p>
+            <a:r>
+              <a:t>③ Pattern Recognition &amp; ML. (Classification, Clustering, Regression).</a:t>
+            </a:r>
+          </a:p>
+          <a:p>
+            <a:r>
+              <a:t>④ Statistical Analysis (Mean, Mode, Median)</a:t>
+            </a:r>
+          </a:p>
+          <a:p>
+            <a:r>
+              <a:t>⑤ Evaluation and Interpretation.</a:t>
+            </a:r>
+          </a:p>
+          <a:p>
+            <a:r>
+              <a:t>⑥ Data Presentation &amp; Visualization.</a:t>
             </a:r>
           </a:p>
         </p:txBody>
